--- a/Sly1/outputs/Sly_presentation.pptx
+++ b/Sly1/outputs/Sly_presentation.pptx
@@ -11,6 +11,10 @@
     <p:sldId id="259" r:id="rId5"/>
     <p:sldId id="260" r:id="rId6"/>
     <p:sldId id="261" r:id="rId7"/>
+    <p:sldId id="262" r:id="rId8"/>
+    <p:sldId id="263" r:id="rId9"/>
+    <p:sldId id="264" r:id="rId10"/>
+    <p:sldId id="265" r:id="rId11"/>
   </p:sldIdLst>
   <p:sldSz cx="12192000" cy="6858000"/>
   <p:notesSz cx="6858000" cy="9144000"/>
@@ -109,6 +113,11 @@
       </a:defRPr>
     </a:lvl9pPr>
   </p:defaultTextStyle>
+  <p:extLst>
+    <p:ext uri="{EFAFB233-063F-42B5-8137-9DF3F51BA10A}">
+      <p15:sldGuideLst xmlns:p15="http://schemas.microsoft.com/office/powerpoint/2012/main"/>
+    </p:ext>
+  </p:extLst>
 </p:presentation>
 </file>
 
@@ -261,7 +270,7 @@
           <a:p>
             <a:fld id="{77187652-CF57-49EA-8BD2-A060E88FB7D1}" type="datetimeFigureOut">
               <a:rPr lang="en-ZA" smtClean="0"/>
-              <a:t>2021/03/05</a:t>
+              <a:t>2021/03/22</a:t>
             </a:fld>
             <a:endParaRPr lang="en-ZA"/>
           </a:p>
@@ -461,7 +470,7 @@
           <a:p>
             <a:fld id="{77187652-CF57-49EA-8BD2-A060E88FB7D1}" type="datetimeFigureOut">
               <a:rPr lang="en-ZA" smtClean="0"/>
-              <a:t>2021/03/05</a:t>
+              <a:t>2021/03/22</a:t>
             </a:fld>
             <a:endParaRPr lang="en-ZA"/>
           </a:p>
@@ -671,7 +680,7 @@
           <a:p>
             <a:fld id="{77187652-CF57-49EA-8BD2-A060E88FB7D1}" type="datetimeFigureOut">
               <a:rPr lang="en-ZA" smtClean="0"/>
-              <a:t>2021/03/05</a:t>
+              <a:t>2021/03/22</a:t>
             </a:fld>
             <a:endParaRPr lang="en-ZA"/>
           </a:p>
@@ -871,7 +880,7 @@
           <a:p>
             <a:fld id="{77187652-CF57-49EA-8BD2-A060E88FB7D1}" type="datetimeFigureOut">
               <a:rPr lang="en-ZA" smtClean="0"/>
-              <a:t>2021/03/05</a:t>
+              <a:t>2021/03/22</a:t>
             </a:fld>
             <a:endParaRPr lang="en-ZA"/>
           </a:p>
@@ -1147,7 +1156,7 @@
           <a:p>
             <a:fld id="{77187652-CF57-49EA-8BD2-A060E88FB7D1}" type="datetimeFigureOut">
               <a:rPr lang="en-ZA" smtClean="0"/>
-              <a:t>2021/03/05</a:t>
+              <a:t>2021/03/22</a:t>
             </a:fld>
             <a:endParaRPr lang="en-ZA"/>
           </a:p>
@@ -1415,7 +1424,7 @@
           <a:p>
             <a:fld id="{77187652-CF57-49EA-8BD2-A060E88FB7D1}" type="datetimeFigureOut">
               <a:rPr lang="en-ZA" smtClean="0"/>
-              <a:t>2021/03/05</a:t>
+              <a:t>2021/03/22</a:t>
             </a:fld>
             <a:endParaRPr lang="en-ZA"/>
           </a:p>
@@ -1830,7 +1839,7 @@
           <a:p>
             <a:fld id="{77187652-CF57-49EA-8BD2-A060E88FB7D1}" type="datetimeFigureOut">
               <a:rPr lang="en-ZA" smtClean="0"/>
-              <a:t>2021/03/05</a:t>
+              <a:t>2021/03/22</a:t>
             </a:fld>
             <a:endParaRPr lang="en-ZA"/>
           </a:p>
@@ -1972,7 +1981,7 @@
           <a:p>
             <a:fld id="{77187652-CF57-49EA-8BD2-A060E88FB7D1}" type="datetimeFigureOut">
               <a:rPr lang="en-ZA" smtClean="0"/>
-              <a:t>2021/03/05</a:t>
+              <a:t>2021/03/22</a:t>
             </a:fld>
             <a:endParaRPr lang="en-ZA"/>
           </a:p>
@@ -2085,7 +2094,7 @@
           <a:p>
             <a:fld id="{77187652-CF57-49EA-8BD2-A060E88FB7D1}" type="datetimeFigureOut">
               <a:rPr lang="en-ZA" smtClean="0"/>
-              <a:t>2021/03/05</a:t>
+              <a:t>2021/03/22</a:t>
             </a:fld>
             <a:endParaRPr lang="en-ZA"/>
           </a:p>
@@ -2398,7 +2407,7 @@
           <a:p>
             <a:fld id="{77187652-CF57-49EA-8BD2-A060E88FB7D1}" type="datetimeFigureOut">
               <a:rPr lang="en-ZA" smtClean="0"/>
-              <a:t>2021/03/05</a:t>
+              <a:t>2021/03/22</a:t>
             </a:fld>
             <a:endParaRPr lang="en-ZA"/>
           </a:p>
@@ -2687,7 +2696,7 @@
           <a:p>
             <a:fld id="{77187652-CF57-49EA-8BD2-A060E88FB7D1}" type="datetimeFigureOut">
               <a:rPr lang="en-ZA" smtClean="0"/>
-              <a:t>2021/03/05</a:t>
+              <a:t>2021/03/22</a:t>
             </a:fld>
             <a:endParaRPr lang="en-ZA"/>
           </a:p>
@@ -2930,7 +2939,7 @@
           <a:p>
             <a:fld id="{77187652-CF57-49EA-8BD2-A060E88FB7D1}" type="datetimeFigureOut">
               <a:rPr lang="en-ZA" smtClean="0"/>
-              <a:t>2021/03/05</a:t>
+              <a:t>2021/03/22</a:t>
             </a:fld>
             <a:endParaRPr lang="en-ZA"/>
           </a:p>
@@ -3410,6 +3419,178 @@
 </p:sld>
 </file>
 
+<file path=ppt/slides/slide10.xml><?xml version="1.0" encoding="utf-8"?>
+<p:sld xmlns:a="http://schemas.openxmlformats.org/drawingml/2006/main" xmlns:r="http://schemas.openxmlformats.org/officeDocument/2006/relationships" xmlns:p="http://schemas.openxmlformats.org/presentationml/2006/main">
+  <p:cSld>
+    <p:spTree>
+      <p:nvGrpSpPr>
+        <p:cNvPr id="1" name=""/>
+        <p:cNvGrpSpPr/>
+        <p:nvPr/>
+      </p:nvGrpSpPr>
+      <p:grpSpPr>
+        <a:xfrm>
+          <a:off x="0" y="0"/>
+          <a:ext cx="0" cy="0"/>
+          <a:chOff x="0" y="0"/>
+          <a:chExt cx="0" cy="0"/>
+        </a:xfrm>
+      </p:grpSpPr>
+      <p:sp>
+        <p:nvSpPr>
+          <p:cNvPr id="2" name="Title 1">
+            <a:extLst>
+              <a:ext uri="{FF2B5EF4-FFF2-40B4-BE49-F238E27FC236}">
+                <a16:creationId xmlns:a16="http://schemas.microsoft.com/office/drawing/2014/main" id="{AF8C9EDB-F3CA-4DD5-8599-7501540D7E56}"/>
+              </a:ext>
+            </a:extLst>
+          </p:cNvPr>
+          <p:cNvSpPr>
+            <a:spLocks noGrp="1"/>
+          </p:cNvSpPr>
+          <p:nvPr>
+            <p:ph type="title"/>
+          </p:nvPr>
+        </p:nvSpPr>
+        <p:spPr/>
+        <p:txBody>
+          <a:bodyPr/>
+          <a:lstStyle/>
+          <a:p>
+            <a:r>
+              <a:rPr lang="en-ZA" dirty="0"/>
+              <a:t>Other possibly interesting findings</a:t>
+            </a:r>
+          </a:p>
+        </p:txBody>
+      </p:sp>
+      <p:sp>
+        <p:nvSpPr>
+          <p:cNvPr id="3" name="Content Placeholder 2">
+            <a:extLst>
+              <a:ext uri="{FF2B5EF4-FFF2-40B4-BE49-F238E27FC236}">
+                <a16:creationId xmlns:a16="http://schemas.microsoft.com/office/drawing/2014/main" id="{630CC473-FA0B-405D-89E6-C092EFEC24E4}"/>
+              </a:ext>
+            </a:extLst>
+          </p:cNvPr>
+          <p:cNvSpPr>
+            <a:spLocks noGrp="1"/>
+          </p:cNvSpPr>
+          <p:nvPr>
+            <p:ph idx="1"/>
+          </p:nvPr>
+        </p:nvSpPr>
+        <p:spPr/>
+        <p:txBody>
+          <a:bodyPr/>
+          <a:lstStyle/>
+          <a:p>
+            <a:r>
+              <a:rPr lang="en-ZA" dirty="0"/>
+              <a:t>DEGs overlapping in Ath2 in all nutritional treatments:</a:t>
+            </a:r>
+          </a:p>
+          <a:p>
+            <a:endParaRPr lang="en-ZA" dirty="0"/>
+          </a:p>
+          <a:p>
+            <a:endParaRPr lang="en-ZA" dirty="0"/>
+          </a:p>
+          <a:p>
+            <a:endParaRPr lang="en-ZA" dirty="0"/>
+          </a:p>
+          <a:p>
+            <a:endParaRPr lang="en-ZA" dirty="0"/>
+          </a:p>
+          <a:p>
+            <a:r>
+              <a:rPr lang="en-ZA" dirty="0"/>
+              <a:t>Nematode resistance protein-like HSPRO2 is present in both Ath1 and Ath2 (not in starvation samples), but up- </a:t>
+            </a:r>
+            <a:r>
+              <a:rPr lang="en-ZA"/>
+              <a:t>versus down</a:t>
+            </a:r>
+            <a:endParaRPr lang="en-ZA" dirty="0"/>
+          </a:p>
+        </p:txBody>
+      </p:sp>
+      <p:graphicFrame>
+        <p:nvGraphicFramePr>
+          <p:cNvPr id="5" name="Object 4">
+            <a:extLst>
+              <a:ext uri="{FF2B5EF4-FFF2-40B4-BE49-F238E27FC236}">
+                <a16:creationId xmlns:a16="http://schemas.microsoft.com/office/drawing/2014/main" id="{46F0C549-58F8-44ED-8328-DAA7CE0E4E99}"/>
+              </a:ext>
+            </a:extLst>
+          </p:cNvPr>
+          <p:cNvGraphicFramePr>
+            <a:graphicFrameLocks noChangeAspect="1"/>
+          </p:cNvGraphicFramePr>
+          <p:nvPr>
+            <p:extLst>
+              <p:ext uri="{D42A27DB-BD31-4B8C-83A1-F6EECF244321}">
+                <p14:modId xmlns:p14="http://schemas.microsoft.com/office/powerpoint/2010/main" val="3674445069"/>
+              </p:ext>
+            </p:extLst>
+          </p:nvPr>
+        </p:nvGraphicFramePr>
+        <p:xfrm>
+          <a:off x="466725" y="2371892"/>
+          <a:ext cx="11258550" cy="1533525"/>
+        </p:xfrm>
+        <a:graphic>
+          <a:graphicData uri="http://schemas.openxmlformats.org/presentationml/2006/ole">
+            <mc:AlternateContent xmlns:mc="http://schemas.openxmlformats.org/markup-compatibility/2006">
+              <mc:Choice xmlns:v="urn:schemas-microsoft-com:vml" Requires="v">
+                <p:oleObj name="Worksheet" r:id="rId2" imgW="11258508" imgH="1533633" progId="Excel.Sheet.12">
+                  <p:embed/>
+                </p:oleObj>
+              </mc:Choice>
+              <mc:Fallback>
+                <p:oleObj name="Worksheet" r:id="rId2" imgW="11258508" imgH="1533633" progId="Excel.Sheet.12">
+                  <p:embed/>
+                  <p:pic>
+                    <p:nvPicPr>
+                      <p:cNvPr id="0" name=""/>
+                      <p:cNvPicPr/>
+                      <p:nvPr/>
+                    </p:nvPicPr>
+                    <p:blipFill>
+                      <a:blip r:embed="rId3"/>
+                      <a:stretch>
+                        <a:fillRect/>
+                      </a:stretch>
+                    </p:blipFill>
+                    <p:spPr>
+                      <a:xfrm>
+                        <a:off x="466725" y="2371892"/>
+                        <a:ext cx="11258550" cy="1533525"/>
+                      </a:xfrm>
+                      <a:prstGeom prst="rect">
+                        <a:avLst/>
+                      </a:prstGeom>
+                    </p:spPr>
+                  </p:pic>
+                </p:oleObj>
+              </mc:Fallback>
+            </mc:AlternateContent>
+          </a:graphicData>
+        </a:graphic>
+      </p:graphicFrame>
+    </p:spTree>
+    <p:extLst>
+      <p:ext uri="{BB962C8B-B14F-4D97-AF65-F5344CB8AC3E}">
+        <p14:creationId xmlns:p14="http://schemas.microsoft.com/office/powerpoint/2010/main" val="2212593326"/>
+      </p:ext>
+    </p:extLst>
+  </p:cSld>
+  <p:clrMapOvr>
+    <a:masterClrMapping/>
+  </p:clrMapOvr>
+</p:sld>
+</file>
+
 <file path=ppt/slides/slide2.xml><?xml version="1.0" encoding="utf-8"?>
 <p:sld xmlns:a="http://schemas.openxmlformats.org/drawingml/2006/main" xmlns:r="http://schemas.openxmlformats.org/officeDocument/2006/relationships" xmlns:p="http://schemas.openxmlformats.org/presentationml/2006/main">
   <p:cSld>
@@ -3859,7 +4040,10 @@
           <a:bodyPr/>
           <a:lstStyle/>
           <a:p>
-            <a:endParaRPr lang="en-ZA"/>
+            <a:r>
+              <a:rPr lang="en-ZA" dirty="0"/>
+              <a:t>Overlap between groups</a:t>
+            </a:r>
           </a:p>
         </p:txBody>
       </p:sp>
@@ -3879,12 +4063,60 @@
             <p:ph idx="1"/>
           </p:nvPr>
         </p:nvSpPr>
-        <p:spPr/>
-        <p:txBody>
-          <a:bodyPr/>
-          <a:lstStyle/>
-          <a:p>
-            <a:endParaRPr lang="en-ZA"/>
+        <p:spPr>
+          <a:xfrm>
+            <a:off x="838200" y="1580147"/>
+            <a:ext cx="10515600" cy="4997116"/>
+          </a:xfrm>
+        </p:spPr>
+        <p:txBody>
+          <a:bodyPr>
+            <a:normAutofit fontScale="92500" lnSpcReduction="10000"/>
+          </a:bodyPr>
+          <a:lstStyle/>
+          <a:p>
+            <a:r>
+              <a:rPr lang="en-ZA" dirty="0"/>
+              <a:t>There are 0 overlapping genes between Sly1 and Ath1</a:t>
+            </a:r>
+          </a:p>
+          <a:p>
+            <a:r>
+              <a:rPr lang="en-ZA" dirty="0"/>
+              <a:t>There are 0 overlapping genes between Sly1 and Ath2_ab (no starvation)</a:t>
+            </a:r>
+          </a:p>
+          <a:p>
+            <a:r>
+              <a:rPr lang="en-ZA" dirty="0"/>
+              <a:t>There are 0 overlapping genes between Sly-root and Ath2_cd (under N starvation)</a:t>
+            </a:r>
+          </a:p>
+          <a:p>
+            <a:r>
+              <a:rPr lang="en-ZA" dirty="0"/>
+              <a:t>There is 1 overlapping gene between Sly1-shoot and Ath2_cd (under N starvation): HSP18.2</a:t>
+            </a:r>
+          </a:p>
+          <a:p>
+            <a:r>
+              <a:rPr lang="en-ZA" dirty="0"/>
+              <a:t>There are 2 overlapping genes between Sly1-root and Ath2-ef (under both N and P starvation): a glycosyltransferase and </a:t>
+            </a:r>
+            <a:r>
+              <a:rPr lang="en-ZA" dirty="0" err="1"/>
+              <a:t>Germin</a:t>
+            </a:r>
+            <a:r>
+              <a:rPr lang="en-ZA" dirty="0"/>
+              <a:t>-like protein subfamily 1 member 7</a:t>
+            </a:r>
+          </a:p>
+          <a:p>
+            <a:r>
+              <a:rPr lang="en-ZA" dirty="0"/>
+              <a:t>There are 3 overlapping genes between Sly1-shoot and Ath2_ef (under both N and P starvation): HSP18.2, atHSP17.4 and an unknown transmembrane protein</a:t>
+            </a:r>
           </a:p>
         </p:txBody>
       </p:sp>
@@ -3892,6 +4124,1467 @@
     <p:extLst>
       <p:ext uri="{BB962C8B-B14F-4D97-AF65-F5344CB8AC3E}">
         <p14:creationId xmlns:p14="http://schemas.microsoft.com/office/powerpoint/2010/main" val="12840693"/>
+      </p:ext>
+    </p:extLst>
+  </p:cSld>
+  <p:clrMapOvr>
+    <a:masterClrMapping/>
+  </p:clrMapOvr>
+</p:sld>
+</file>
+
+<file path=ppt/slides/slide7.xml><?xml version="1.0" encoding="utf-8"?>
+<p:sld xmlns:a="http://schemas.openxmlformats.org/drawingml/2006/main" xmlns:r="http://schemas.openxmlformats.org/officeDocument/2006/relationships" xmlns:p="http://schemas.openxmlformats.org/presentationml/2006/main">
+  <p:cSld>
+    <p:spTree>
+      <p:nvGrpSpPr>
+        <p:cNvPr id="1" name=""/>
+        <p:cNvGrpSpPr/>
+        <p:nvPr/>
+      </p:nvGrpSpPr>
+      <p:grpSpPr>
+        <a:xfrm>
+          <a:off x="0" y="0"/>
+          <a:ext cx="0" cy="0"/>
+          <a:chOff x="0" y="0"/>
+          <a:chExt cx="0" cy="0"/>
+        </a:xfrm>
+      </p:grpSpPr>
+      <p:sp>
+        <p:nvSpPr>
+          <p:cNvPr id="2" name="Title 1">
+            <a:extLst>
+              <a:ext uri="{FF2B5EF4-FFF2-40B4-BE49-F238E27FC236}">
+                <a16:creationId xmlns:a16="http://schemas.microsoft.com/office/drawing/2014/main" id="{551229A5-CC80-4332-9D64-9131F7B2206E}"/>
+              </a:ext>
+            </a:extLst>
+          </p:cNvPr>
+          <p:cNvSpPr>
+            <a:spLocks noGrp="1"/>
+          </p:cNvSpPr>
+          <p:nvPr>
+            <p:ph type="title"/>
+          </p:nvPr>
+        </p:nvSpPr>
+        <p:spPr/>
+        <p:txBody>
+          <a:bodyPr/>
+          <a:lstStyle/>
+          <a:p>
+            <a:r>
+              <a:rPr lang="en-ZA" dirty="0"/>
+              <a:t>GO enrichment downregulated tomato shoot</a:t>
+            </a:r>
+          </a:p>
+        </p:txBody>
+      </p:sp>
+      <p:sp>
+        <p:nvSpPr>
+          <p:cNvPr id="3" name="Content Placeholder 2">
+            <a:extLst>
+              <a:ext uri="{FF2B5EF4-FFF2-40B4-BE49-F238E27FC236}">
+                <a16:creationId xmlns:a16="http://schemas.microsoft.com/office/drawing/2014/main" id="{AB5FC2AF-8098-4DCB-958B-7310CF326B16}"/>
+              </a:ext>
+            </a:extLst>
+          </p:cNvPr>
+          <p:cNvSpPr>
+            <a:spLocks noGrp="1"/>
+          </p:cNvSpPr>
+          <p:nvPr>
+            <p:ph idx="1"/>
+          </p:nvPr>
+        </p:nvSpPr>
+        <p:spPr>
+          <a:xfrm>
+            <a:off x="8730915" y="1825625"/>
+            <a:ext cx="3461085" cy="4351338"/>
+          </a:xfrm>
+        </p:spPr>
+        <p:txBody>
+          <a:bodyPr/>
+          <a:lstStyle/>
+          <a:p>
+            <a:pPr marL="0" indent="0">
+              <a:buNone/>
+            </a:pPr>
+            <a:r>
+              <a:rPr lang="en-ZA" dirty="0"/>
+              <a:t>No statistically significant results for upregulated DEGs in shoot, or any others in root</a:t>
+            </a:r>
+          </a:p>
+        </p:txBody>
+      </p:sp>
+      <p:pic>
+        <p:nvPicPr>
+          <p:cNvPr id="5" name="Picture 4">
+            <a:extLst>
+              <a:ext uri="{FF2B5EF4-FFF2-40B4-BE49-F238E27FC236}">
+                <a16:creationId xmlns:a16="http://schemas.microsoft.com/office/drawing/2014/main" id="{6EDFA8B1-84F8-409B-9283-BEABD0D96F51}"/>
+              </a:ext>
+            </a:extLst>
+          </p:cNvPr>
+          <p:cNvPicPr>
+            <a:picLocks noChangeAspect="1"/>
+          </p:cNvPicPr>
+          <p:nvPr/>
+        </p:nvPicPr>
+        <p:blipFill rotWithShape="1">
+          <a:blip r:embed="rId2"/>
+          <a:srcRect l="365" t="35672" r="51389" b="14503"/>
+          <a:stretch/>
+        </p:blipFill>
+        <p:spPr>
+          <a:xfrm>
+            <a:off x="954504" y="1548624"/>
+            <a:ext cx="7660107" cy="4944251"/>
+          </a:xfrm>
+          <a:prstGeom prst="rect">
+            <a:avLst/>
+          </a:prstGeom>
+        </p:spPr>
+      </p:pic>
+    </p:spTree>
+    <p:extLst>
+      <p:ext uri="{BB962C8B-B14F-4D97-AF65-F5344CB8AC3E}">
+        <p14:creationId xmlns:p14="http://schemas.microsoft.com/office/powerpoint/2010/main" val="4193518176"/>
+      </p:ext>
+    </p:extLst>
+  </p:cSld>
+  <p:clrMapOvr>
+    <a:masterClrMapping/>
+  </p:clrMapOvr>
+</p:sld>
+</file>
+
+<file path=ppt/slides/slide8.xml><?xml version="1.0" encoding="utf-8"?>
+<p:sld xmlns:a="http://schemas.openxmlformats.org/drawingml/2006/main" xmlns:r="http://schemas.openxmlformats.org/officeDocument/2006/relationships" xmlns:p="http://schemas.openxmlformats.org/presentationml/2006/main">
+  <p:cSld>
+    <p:spTree>
+      <p:nvGrpSpPr>
+        <p:cNvPr id="1" name=""/>
+        <p:cNvGrpSpPr/>
+        <p:nvPr/>
+      </p:nvGrpSpPr>
+      <p:grpSpPr>
+        <a:xfrm>
+          <a:off x="0" y="0"/>
+          <a:ext cx="0" cy="0"/>
+          <a:chOff x="0" y="0"/>
+          <a:chExt cx="0" cy="0"/>
+        </a:xfrm>
+      </p:grpSpPr>
+      <p:sp>
+        <p:nvSpPr>
+          <p:cNvPr id="2" name="Title 1">
+            <a:extLst>
+              <a:ext uri="{FF2B5EF4-FFF2-40B4-BE49-F238E27FC236}">
+                <a16:creationId xmlns:a16="http://schemas.microsoft.com/office/drawing/2014/main" id="{FF67EA78-365A-4462-8CA8-BE45DECD2FB7}"/>
+              </a:ext>
+            </a:extLst>
+          </p:cNvPr>
+          <p:cNvSpPr>
+            <a:spLocks noGrp="1"/>
+          </p:cNvSpPr>
+          <p:nvPr>
+            <p:ph type="title"/>
+          </p:nvPr>
+        </p:nvSpPr>
+        <p:spPr>
+          <a:xfrm>
+            <a:off x="838200" y="365126"/>
+            <a:ext cx="10515600" cy="730000"/>
+          </a:xfrm>
+        </p:spPr>
+        <p:txBody>
+          <a:bodyPr/>
+          <a:lstStyle/>
+          <a:p>
+            <a:r>
+              <a:rPr lang="en-ZA" dirty="0"/>
+              <a:t>DEGs tomato root</a:t>
+            </a:r>
+          </a:p>
+        </p:txBody>
+      </p:sp>
+      <p:sp>
+        <p:nvSpPr>
+          <p:cNvPr id="3" name="Content Placeholder 2">
+            <a:extLst>
+              <a:ext uri="{FF2B5EF4-FFF2-40B4-BE49-F238E27FC236}">
+                <a16:creationId xmlns:a16="http://schemas.microsoft.com/office/drawing/2014/main" id="{593ACF53-BB44-4F63-A7F9-3149003DA27C}"/>
+              </a:ext>
+            </a:extLst>
+          </p:cNvPr>
+          <p:cNvSpPr>
+            <a:spLocks noGrp="1"/>
+          </p:cNvSpPr>
+          <p:nvPr>
+            <p:ph idx="1"/>
+          </p:nvPr>
+        </p:nvSpPr>
+        <p:spPr/>
+        <p:txBody>
+          <a:bodyPr/>
+          <a:lstStyle/>
+          <a:p>
+            <a:endParaRPr lang="en-ZA"/>
+          </a:p>
+        </p:txBody>
+      </p:sp>
+      <p:graphicFrame>
+        <p:nvGraphicFramePr>
+          <p:cNvPr id="4" name="Object 3">
+            <a:extLst>
+              <a:ext uri="{FF2B5EF4-FFF2-40B4-BE49-F238E27FC236}">
+                <a16:creationId xmlns:a16="http://schemas.microsoft.com/office/drawing/2014/main" id="{1117F475-D84B-4EC0-827E-8B8FC691B30E}"/>
+              </a:ext>
+            </a:extLst>
+          </p:cNvPr>
+          <p:cNvGraphicFramePr>
+            <a:graphicFrameLocks noChangeAspect="1"/>
+          </p:cNvGraphicFramePr>
+          <p:nvPr>
+            <p:extLst>
+              <p:ext uri="{D42A27DB-BD31-4B8C-83A1-F6EECF244321}">
+                <p14:modId xmlns:p14="http://schemas.microsoft.com/office/powerpoint/2010/main" val="1750909214"/>
+              </p:ext>
+            </p:extLst>
+          </p:nvPr>
+        </p:nvGraphicFramePr>
+        <p:xfrm>
+          <a:off x="1568617" y="1095125"/>
+          <a:ext cx="8477250" cy="5534025"/>
+        </p:xfrm>
+        <a:graphic>
+          <a:graphicData uri="http://schemas.openxmlformats.org/presentationml/2006/ole">
+            <mc:AlternateContent xmlns:mc="http://schemas.openxmlformats.org/markup-compatibility/2006">
+              <mc:Choice xmlns:v="urn:schemas-microsoft-com:vml" Requires="v">
+                <p:oleObj name="Worksheet" r:id="rId2" imgW="8477124" imgH="5534133" progId="Excel.Sheet.12">
+                  <p:embed/>
+                </p:oleObj>
+              </mc:Choice>
+              <mc:Fallback>
+                <p:oleObj name="Worksheet" r:id="rId2" imgW="8477124" imgH="5534133" progId="Excel.Sheet.12">
+                  <p:embed/>
+                  <p:pic>
+                    <p:nvPicPr>
+                      <p:cNvPr id="0" name=""/>
+                      <p:cNvPicPr/>
+                      <p:nvPr/>
+                    </p:nvPicPr>
+                    <p:blipFill>
+                      <a:blip r:embed="rId3"/>
+                      <a:stretch>
+                        <a:fillRect/>
+                      </a:stretch>
+                    </p:blipFill>
+                    <p:spPr>
+                      <a:xfrm>
+                        <a:off x="1568617" y="1095125"/>
+                        <a:ext cx="8477250" cy="5534025"/>
+                      </a:xfrm>
+                      <a:prstGeom prst="rect">
+                        <a:avLst/>
+                      </a:prstGeom>
+                    </p:spPr>
+                  </p:pic>
+                </p:oleObj>
+              </mc:Fallback>
+            </mc:AlternateContent>
+          </a:graphicData>
+        </a:graphic>
+      </p:graphicFrame>
+    </p:spTree>
+    <p:extLst>
+      <p:ext uri="{BB962C8B-B14F-4D97-AF65-F5344CB8AC3E}">
+        <p14:creationId xmlns:p14="http://schemas.microsoft.com/office/powerpoint/2010/main" val="524464758"/>
+      </p:ext>
+    </p:extLst>
+  </p:cSld>
+  <p:clrMapOvr>
+    <a:masterClrMapping/>
+  </p:clrMapOvr>
+</p:sld>
+</file>
+
+<file path=ppt/slides/slide9.xml><?xml version="1.0" encoding="utf-8"?>
+<p:sld xmlns:a="http://schemas.openxmlformats.org/drawingml/2006/main" xmlns:r="http://schemas.openxmlformats.org/officeDocument/2006/relationships" xmlns:p="http://schemas.openxmlformats.org/presentationml/2006/main">
+  <p:cSld>
+    <p:spTree>
+      <p:nvGrpSpPr>
+        <p:cNvPr id="1" name=""/>
+        <p:cNvGrpSpPr/>
+        <p:nvPr/>
+      </p:nvGrpSpPr>
+      <p:grpSpPr>
+        <a:xfrm>
+          <a:off x="0" y="0"/>
+          <a:ext cx="0" cy="0"/>
+          <a:chOff x="0" y="0"/>
+          <a:chExt cx="0" cy="0"/>
+        </a:xfrm>
+      </p:grpSpPr>
+      <p:sp>
+        <p:nvSpPr>
+          <p:cNvPr id="2" name="Title 1">
+            <a:extLst>
+              <a:ext uri="{FF2B5EF4-FFF2-40B4-BE49-F238E27FC236}">
+                <a16:creationId xmlns:a16="http://schemas.microsoft.com/office/drawing/2014/main" id="{E1397BCB-A5ED-484E-B166-3F08D2CA2205}"/>
+              </a:ext>
+            </a:extLst>
+          </p:cNvPr>
+          <p:cNvSpPr>
+            <a:spLocks noGrp="1"/>
+          </p:cNvSpPr>
+          <p:nvPr>
+            <p:ph type="title"/>
+          </p:nvPr>
+        </p:nvSpPr>
+        <p:spPr>
+          <a:xfrm>
+            <a:off x="838200" y="220746"/>
+            <a:ext cx="10515600" cy="1325563"/>
+          </a:xfrm>
+        </p:spPr>
+        <p:txBody>
+          <a:bodyPr/>
+          <a:lstStyle/>
+          <a:p>
+            <a:r>
+              <a:rPr lang="en-ZA" dirty="0"/>
+              <a:t>DEGs tomato shoot</a:t>
+            </a:r>
+          </a:p>
+        </p:txBody>
+      </p:sp>
+      <p:graphicFrame>
+        <p:nvGraphicFramePr>
+          <p:cNvPr id="5" name="Content Placeholder 4">
+            <a:extLst>
+              <a:ext uri="{FF2B5EF4-FFF2-40B4-BE49-F238E27FC236}">
+                <a16:creationId xmlns:a16="http://schemas.microsoft.com/office/drawing/2014/main" id="{A138DC94-CE92-4B79-8A09-C2640C2C0B0A}"/>
+              </a:ext>
+            </a:extLst>
+          </p:cNvPr>
+          <p:cNvGraphicFramePr>
+            <a:graphicFrameLocks noGrp="1"/>
+          </p:cNvGraphicFramePr>
+          <p:nvPr>
+            <p:ph idx="1"/>
+            <p:extLst>
+              <p:ext uri="{D42A27DB-BD31-4B8C-83A1-F6EECF244321}">
+                <p14:modId xmlns:p14="http://schemas.microsoft.com/office/powerpoint/2010/main" val="1078809442"/>
+              </p:ext>
+            </p:extLst>
+          </p:nvPr>
+        </p:nvGraphicFramePr>
+        <p:xfrm>
+          <a:off x="1279858" y="4690477"/>
+          <a:ext cx="8470900" cy="2097664"/>
+        </p:xfrm>
+        <a:graphic>
+          <a:graphicData uri="http://schemas.openxmlformats.org/drawingml/2006/table">
+            <a:tbl>
+              <a:tblPr>
+                <a:tableStyleId>{5C22544A-7EE6-4342-B048-85BDC9FD1C3A}</a:tableStyleId>
+              </a:tblPr>
+              <a:tblGrid>
+                <a:gridCol w="1091791">
+                  <a:extLst>
+                    <a:ext uri="{9D8B030D-6E8A-4147-A177-3AD203B41FA5}">
+                      <a16:colId xmlns:a16="http://schemas.microsoft.com/office/drawing/2014/main" val="4154238432"/>
+                    </a:ext>
+                  </a:extLst>
+                </a:gridCol>
+                <a:gridCol w="1171136">
+                  <a:extLst>
+                    <a:ext uri="{9D8B030D-6E8A-4147-A177-3AD203B41FA5}">
+                      <a16:colId xmlns:a16="http://schemas.microsoft.com/office/drawing/2014/main" val="2790236532"/>
+                    </a:ext>
+                  </a:extLst>
+                </a:gridCol>
+                <a:gridCol w="799800">
+                  <a:extLst>
+                    <a:ext uri="{9D8B030D-6E8A-4147-A177-3AD203B41FA5}">
+                      <a16:colId xmlns:a16="http://schemas.microsoft.com/office/drawing/2014/main" val="1834457895"/>
+                    </a:ext>
+                  </a:extLst>
+                </a:gridCol>
+                <a:gridCol w="5408173">
+                  <a:extLst>
+                    <a:ext uri="{9D8B030D-6E8A-4147-A177-3AD203B41FA5}">
+                      <a16:colId xmlns:a16="http://schemas.microsoft.com/office/drawing/2014/main" val="2875559589"/>
+                    </a:ext>
+                  </a:extLst>
+                </a:gridCol>
+              </a:tblGrid>
+              <a:tr h="190500">
+                <a:tc>
+                  <a:txBody>
+                    <a:bodyPr/>
+                    <a:lstStyle/>
+                    <a:p>
+                      <a:pPr algn="l" fontAlgn="b"/>
+                      <a:r>
+                        <a:rPr lang="en-ZA" sz="1100" u="none" strike="noStrike">
+                          <a:effectLst/>
+                        </a:rPr>
+                        <a:t>Solyc01g074000.4</a:t>
+                      </a:r>
+                      <a:endParaRPr lang="en-ZA" sz="1100" b="0" i="0" u="none" strike="noStrike">
+                        <a:solidFill>
+                          <a:srgbClr val="000000"/>
+                        </a:solidFill>
+                        <a:effectLst/>
+                        <a:latin typeface="Calibri" panose="020F0502020204030204" pitchFamily="34" charset="0"/>
+                      </a:endParaRPr>
+                    </a:p>
+                  </a:txBody>
+                  <a:tcPr marL="9525" marR="9525" marT="9525" marB="0" anchor="b"/>
+                </a:tc>
+                <a:tc>
+                  <a:txBody>
+                    <a:bodyPr/>
+                    <a:lstStyle/>
+                    <a:p>
+                      <a:pPr algn="r" fontAlgn="b"/>
+                      <a:r>
+                        <a:rPr lang="en-ZA" sz="1100" u="none" strike="noStrike">
+                          <a:effectLst/>
+                        </a:rPr>
+                        <a:t>1.542933791</a:t>
+                      </a:r>
+                      <a:endParaRPr lang="en-ZA" sz="1100" b="0" i="0" u="none" strike="noStrike">
+                        <a:solidFill>
+                          <a:srgbClr val="000000"/>
+                        </a:solidFill>
+                        <a:effectLst/>
+                        <a:latin typeface="Calibri" panose="020F0502020204030204" pitchFamily="34" charset="0"/>
+                      </a:endParaRPr>
+                    </a:p>
+                  </a:txBody>
+                  <a:tcPr marL="9525" marR="9525" marT="9525" marB="0" anchor="b"/>
+                </a:tc>
+                <a:tc>
+                  <a:txBody>
+                    <a:bodyPr/>
+                    <a:lstStyle/>
+                    <a:p>
+                      <a:pPr algn="r" fontAlgn="b"/>
+                      <a:r>
+                        <a:rPr lang="en-ZA" sz="1100" u="none" strike="noStrike">
+                          <a:effectLst/>
+                        </a:rPr>
+                        <a:t>0.013737732</a:t>
+                      </a:r>
+                      <a:endParaRPr lang="en-ZA" sz="1100" b="0" i="0" u="none" strike="noStrike">
+                        <a:solidFill>
+                          <a:srgbClr val="000000"/>
+                        </a:solidFill>
+                        <a:effectLst/>
+                        <a:latin typeface="Calibri" panose="020F0502020204030204" pitchFamily="34" charset="0"/>
+                      </a:endParaRPr>
+                    </a:p>
+                  </a:txBody>
+                  <a:tcPr marL="9525" marR="9525" marT="9525" marB="0" anchor="b"/>
+                </a:tc>
+                <a:tc>
+                  <a:txBody>
+                    <a:bodyPr/>
+                    <a:lstStyle/>
+                    <a:p>
+                      <a:pPr algn="l" fontAlgn="b"/>
+                      <a:r>
+                        <a:rPr lang="sv-SE" sz="1100" u="none" strike="noStrike">
+                          <a:effectLst/>
+                        </a:rPr>
+                        <a:t>Histone H3 (AHRD V3.11 *** tr|B3TM40|B3TM40_ELAGV)</a:t>
+                      </a:r>
+                      <a:endParaRPr lang="sv-SE" sz="1100" b="0" i="0" u="none" strike="noStrike">
+                        <a:solidFill>
+                          <a:srgbClr val="000000"/>
+                        </a:solidFill>
+                        <a:effectLst/>
+                        <a:latin typeface="Calibri" panose="020F0502020204030204" pitchFamily="34" charset="0"/>
+                      </a:endParaRPr>
+                    </a:p>
+                  </a:txBody>
+                  <a:tcPr marL="9525" marR="9525" marT="9525" marB="0" anchor="b"/>
+                </a:tc>
+                <a:extLst>
+                  <a:ext uri="{0D108BD9-81ED-4DB2-BD59-A6C34878D82A}">
+                    <a16:rowId xmlns:a16="http://schemas.microsoft.com/office/drawing/2014/main" val="3736581356"/>
+                  </a:ext>
+                </a:extLst>
+              </a:tr>
+              <a:tr h="190500">
+                <a:tc>
+                  <a:txBody>
+                    <a:bodyPr/>
+                    <a:lstStyle/>
+                    <a:p>
+                      <a:pPr algn="l" fontAlgn="b"/>
+                      <a:r>
+                        <a:rPr lang="en-ZA" sz="1100" u="none" strike="noStrike">
+                          <a:effectLst/>
+                        </a:rPr>
+                        <a:t>Solyc06g065970.1</a:t>
+                      </a:r>
+                      <a:endParaRPr lang="en-ZA" sz="1100" b="0" i="0" u="none" strike="noStrike">
+                        <a:solidFill>
+                          <a:srgbClr val="000000"/>
+                        </a:solidFill>
+                        <a:effectLst/>
+                        <a:latin typeface="Calibri" panose="020F0502020204030204" pitchFamily="34" charset="0"/>
+                      </a:endParaRPr>
+                    </a:p>
+                  </a:txBody>
+                  <a:tcPr marL="9525" marR="9525" marT="9525" marB="0" anchor="b"/>
+                </a:tc>
+                <a:tc>
+                  <a:txBody>
+                    <a:bodyPr/>
+                    <a:lstStyle/>
+                    <a:p>
+                      <a:pPr algn="r" fontAlgn="b"/>
+                      <a:r>
+                        <a:rPr lang="en-ZA" sz="1100" u="none" strike="noStrike">
+                          <a:effectLst/>
+                        </a:rPr>
+                        <a:t>1.61709576</a:t>
+                      </a:r>
+                      <a:endParaRPr lang="en-ZA" sz="1100" b="0" i="0" u="none" strike="noStrike">
+                        <a:solidFill>
+                          <a:srgbClr val="000000"/>
+                        </a:solidFill>
+                        <a:effectLst/>
+                        <a:latin typeface="Calibri" panose="020F0502020204030204" pitchFamily="34" charset="0"/>
+                      </a:endParaRPr>
+                    </a:p>
+                  </a:txBody>
+                  <a:tcPr marL="9525" marR="9525" marT="9525" marB="0" anchor="b"/>
+                </a:tc>
+                <a:tc>
+                  <a:txBody>
+                    <a:bodyPr/>
+                    <a:lstStyle/>
+                    <a:p>
+                      <a:pPr algn="r" fontAlgn="b"/>
+                      <a:r>
+                        <a:rPr lang="en-ZA" sz="1100" u="none" strike="noStrike">
+                          <a:effectLst/>
+                        </a:rPr>
+                        <a:t>0.039084221</a:t>
+                      </a:r>
+                      <a:endParaRPr lang="en-ZA" sz="1100" b="0" i="0" u="none" strike="noStrike">
+                        <a:solidFill>
+                          <a:srgbClr val="000000"/>
+                        </a:solidFill>
+                        <a:effectLst/>
+                        <a:latin typeface="Calibri" panose="020F0502020204030204" pitchFamily="34" charset="0"/>
+                      </a:endParaRPr>
+                    </a:p>
+                  </a:txBody>
+                  <a:tcPr marL="9525" marR="9525" marT="9525" marB="0" anchor="b"/>
+                </a:tc>
+                <a:tc>
+                  <a:txBody>
+                    <a:bodyPr/>
+                    <a:lstStyle/>
+                    <a:p>
+                      <a:pPr algn="l" fontAlgn="b"/>
+                      <a:r>
+                        <a:rPr lang="en-ZA" sz="1100" u="none" strike="noStrike">
+                          <a:effectLst/>
+                        </a:rPr>
+                        <a:t>Bifunctional inhibitor/lipid-transfer protein/seed storage 2S albumin superfamily protein (AHRD V3.3 *** A0A2U1PU47_ARTAN)</a:t>
+                      </a:r>
+                      <a:endParaRPr lang="en-ZA" sz="1100" b="0" i="0" u="none" strike="noStrike">
+                        <a:solidFill>
+                          <a:srgbClr val="000000"/>
+                        </a:solidFill>
+                        <a:effectLst/>
+                        <a:latin typeface="Calibri" panose="020F0502020204030204" pitchFamily="34" charset="0"/>
+                      </a:endParaRPr>
+                    </a:p>
+                  </a:txBody>
+                  <a:tcPr marL="9525" marR="9525" marT="9525" marB="0" anchor="b"/>
+                </a:tc>
+                <a:extLst>
+                  <a:ext uri="{0D108BD9-81ED-4DB2-BD59-A6C34878D82A}">
+                    <a16:rowId xmlns:a16="http://schemas.microsoft.com/office/drawing/2014/main" val="775542775"/>
+                  </a:ext>
+                </a:extLst>
+              </a:tr>
+              <a:tr h="190500">
+                <a:tc>
+                  <a:txBody>
+                    <a:bodyPr/>
+                    <a:lstStyle/>
+                    <a:p>
+                      <a:pPr algn="l" fontAlgn="b"/>
+                      <a:r>
+                        <a:rPr lang="en-ZA" sz="1100" u="none" strike="noStrike">
+                          <a:effectLst/>
+                        </a:rPr>
+                        <a:t>Solyc03g123410.1</a:t>
+                      </a:r>
+                      <a:endParaRPr lang="en-ZA" sz="1100" b="0" i="0" u="none" strike="noStrike">
+                        <a:solidFill>
+                          <a:srgbClr val="000000"/>
+                        </a:solidFill>
+                        <a:effectLst/>
+                        <a:latin typeface="Calibri" panose="020F0502020204030204" pitchFamily="34" charset="0"/>
+                      </a:endParaRPr>
+                    </a:p>
+                  </a:txBody>
+                  <a:tcPr marL="9525" marR="9525" marT="9525" marB="0" anchor="b"/>
+                </a:tc>
+                <a:tc>
+                  <a:txBody>
+                    <a:bodyPr/>
+                    <a:lstStyle/>
+                    <a:p>
+                      <a:pPr algn="r" fontAlgn="b"/>
+                      <a:r>
+                        <a:rPr lang="en-ZA" sz="1100" u="none" strike="noStrike">
+                          <a:effectLst/>
+                        </a:rPr>
+                        <a:t>1.706359891</a:t>
+                      </a:r>
+                      <a:endParaRPr lang="en-ZA" sz="1100" b="0" i="0" u="none" strike="noStrike">
+                        <a:solidFill>
+                          <a:srgbClr val="000000"/>
+                        </a:solidFill>
+                        <a:effectLst/>
+                        <a:latin typeface="Calibri" panose="020F0502020204030204" pitchFamily="34" charset="0"/>
+                      </a:endParaRPr>
+                    </a:p>
+                  </a:txBody>
+                  <a:tcPr marL="9525" marR="9525" marT="9525" marB="0" anchor="b"/>
+                </a:tc>
+                <a:tc>
+                  <a:txBody>
+                    <a:bodyPr/>
+                    <a:lstStyle/>
+                    <a:p>
+                      <a:pPr algn="r" fontAlgn="b"/>
+                      <a:r>
+                        <a:rPr lang="en-ZA" sz="1100" u="none" strike="noStrike">
+                          <a:effectLst/>
+                        </a:rPr>
+                        <a:t>0.042410985</a:t>
+                      </a:r>
+                      <a:endParaRPr lang="en-ZA" sz="1100" b="0" i="0" u="none" strike="noStrike">
+                        <a:solidFill>
+                          <a:srgbClr val="000000"/>
+                        </a:solidFill>
+                        <a:effectLst/>
+                        <a:latin typeface="Calibri" panose="020F0502020204030204" pitchFamily="34" charset="0"/>
+                      </a:endParaRPr>
+                    </a:p>
+                  </a:txBody>
+                  <a:tcPr marL="9525" marR="9525" marT="9525" marB="0" anchor="b"/>
+                </a:tc>
+                <a:tc>
+                  <a:txBody>
+                    <a:bodyPr/>
+                    <a:lstStyle/>
+                    <a:p>
+                      <a:pPr algn="l" fontAlgn="b"/>
+                      <a:r>
+                        <a:rPr lang="en-ZA" sz="1100" u="none" strike="noStrike">
+                          <a:effectLst/>
+                        </a:rPr>
+                        <a:t>Germin-like protein.1</a:t>
+                      </a:r>
+                      <a:endParaRPr lang="en-ZA" sz="1100" b="0" i="0" u="none" strike="noStrike">
+                        <a:solidFill>
+                          <a:srgbClr val="000000"/>
+                        </a:solidFill>
+                        <a:effectLst/>
+                        <a:latin typeface="Calibri" panose="020F0502020204030204" pitchFamily="34" charset="0"/>
+                      </a:endParaRPr>
+                    </a:p>
+                  </a:txBody>
+                  <a:tcPr marL="9525" marR="9525" marT="9525" marB="0" anchor="b"/>
+                </a:tc>
+                <a:extLst>
+                  <a:ext uri="{0D108BD9-81ED-4DB2-BD59-A6C34878D82A}">
+                    <a16:rowId xmlns:a16="http://schemas.microsoft.com/office/drawing/2014/main" val="2728430740"/>
+                  </a:ext>
+                </a:extLst>
+              </a:tr>
+              <a:tr h="190500">
+                <a:tc>
+                  <a:txBody>
+                    <a:bodyPr/>
+                    <a:lstStyle/>
+                    <a:p>
+                      <a:pPr algn="l" fontAlgn="b"/>
+                      <a:r>
+                        <a:rPr lang="en-ZA" sz="1100" u="none" strike="noStrike">
+                          <a:effectLst/>
+                        </a:rPr>
+                        <a:t>Solyc11g072860.2</a:t>
+                      </a:r>
+                      <a:endParaRPr lang="en-ZA" sz="1100" b="0" i="0" u="none" strike="noStrike">
+                        <a:solidFill>
+                          <a:srgbClr val="000000"/>
+                        </a:solidFill>
+                        <a:effectLst/>
+                        <a:latin typeface="Calibri" panose="020F0502020204030204" pitchFamily="34" charset="0"/>
+                      </a:endParaRPr>
+                    </a:p>
+                  </a:txBody>
+                  <a:tcPr marL="9525" marR="9525" marT="9525" marB="0" anchor="b"/>
+                </a:tc>
+                <a:tc>
+                  <a:txBody>
+                    <a:bodyPr/>
+                    <a:lstStyle/>
+                    <a:p>
+                      <a:pPr algn="r" fontAlgn="b"/>
+                      <a:r>
+                        <a:rPr lang="en-ZA" sz="1100" u="none" strike="noStrike">
+                          <a:effectLst/>
+                        </a:rPr>
+                        <a:t>1.892105343</a:t>
+                      </a:r>
+                      <a:endParaRPr lang="en-ZA" sz="1100" b="0" i="0" u="none" strike="noStrike">
+                        <a:solidFill>
+                          <a:srgbClr val="000000"/>
+                        </a:solidFill>
+                        <a:effectLst/>
+                        <a:latin typeface="Calibri" panose="020F0502020204030204" pitchFamily="34" charset="0"/>
+                      </a:endParaRPr>
+                    </a:p>
+                  </a:txBody>
+                  <a:tcPr marL="9525" marR="9525" marT="9525" marB="0" anchor="b"/>
+                </a:tc>
+                <a:tc>
+                  <a:txBody>
+                    <a:bodyPr/>
+                    <a:lstStyle/>
+                    <a:p>
+                      <a:pPr algn="r" fontAlgn="b"/>
+                      <a:r>
+                        <a:rPr lang="en-ZA" sz="1100" u="none" strike="noStrike">
+                          <a:effectLst/>
+                        </a:rPr>
+                        <a:t>0.043380409</a:t>
+                      </a:r>
+                      <a:endParaRPr lang="en-ZA" sz="1100" b="0" i="0" u="none" strike="noStrike">
+                        <a:solidFill>
+                          <a:srgbClr val="000000"/>
+                        </a:solidFill>
+                        <a:effectLst/>
+                        <a:latin typeface="Calibri" panose="020F0502020204030204" pitchFamily="34" charset="0"/>
+                      </a:endParaRPr>
+                    </a:p>
+                  </a:txBody>
+                  <a:tcPr marL="9525" marR="9525" marT="9525" marB="0" anchor="b"/>
+                </a:tc>
+                <a:tc>
+                  <a:txBody>
+                    <a:bodyPr/>
+                    <a:lstStyle/>
+                    <a:p>
+                      <a:pPr algn="l" fontAlgn="b"/>
+                      <a:r>
+                        <a:rPr lang="pt-BR" sz="1100" u="none" strike="noStrike">
+                          <a:effectLst/>
+                        </a:rPr>
+                        <a:t>Histone H4 (AHRD V3.3 *-* F2E7L1_HORVV)</a:t>
+                      </a:r>
+                      <a:endParaRPr lang="pt-BR" sz="1100" b="0" i="0" u="none" strike="noStrike">
+                        <a:solidFill>
+                          <a:srgbClr val="000000"/>
+                        </a:solidFill>
+                        <a:effectLst/>
+                        <a:latin typeface="Calibri" panose="020F0502020204030204" pitchFamily="34" charset="0"/>
+                      </a:endParaRPr>
+                    </a:p>
+                  </a:txBody>
+                  <a:tcPr marL="9525" marR="9525" marT="9525" marB="0" anchor="b"/>
+                </a:tc>
+                <a:extLst>
+                  <a:ext uri="{0D108BD9-81ED-4DB2-BD59-A6C34878D82A}">
+                    <a16:rowId xmlns:a16="http://schemas.microsoft.com/office/drawing/2014/main" val="1938156310"/>
+                  </a:ext>
+                </a:extLst>
+              </a:tr>
+              <a:tr h="190500">
+                <a:tc>
+                  <a:txBody>
+                    <a:bodyPr/>
+                    <a:lstStyle/>
+                    <a:p>
+                      <a:pPr algn="l" fontAlgn="b"/>
+                      <a:r>
+                        <a:rPr lang="en-ZA" sz="1100" u="none" strike="noStrike">
+                          <a:effectLst/>
+                        </a:rPr>
+                        <a:t>Solyc05g054610.1</a:t>
+                      </a:r>
+                      <a:endParaRPr lang="en-ZA" sz="1100" b="0" i="0" u="none" strike="noStrike">
+                        <a:solidFill>
+                          <a:srgbClr val="000000"/>
+                        </a:solidFill>
+                        <a:effectLst/>
+                        <a:latin typeface="Calibri" panose="020F0502020204030204" pitchFamily="34" charset="0"/>
+                      </a:endParaRPr>
+                    </a:p>
+                  </a:txBody>
+                  <a:tcPr marL="9525" marR="9525" marT="9525" marB="0" anchor="b"/>
+                </a:tc>
+                <a:tc>
+                  <a:txBody>
+                    <a:bodyPr/>
+                    <a:lstStyle/>
+                    <a:p>
+                      <a:pPr algn="r" fontAlgn="b"/>
+                      <a:r>
+                        <a:rPr lang="en-ZA" sz="1100" u="none" strike="noStrike">
+                          <a:effectLst/>
+                        </a:rPr>
+                        <a:t>2.00126347</a:t>
+                      </a:r>
+                      <a:endParaRPr lang="en-ZA" sz="1100" b="0" i="0" u="none" strike="noStrike">
+                        <a:solidFill>
+                          <a:srgbClr val="000000"/>
+                        </a:solidFill>
+                        <a:effectLst/>
+                        <a:latin typeface="Calibri" panose="020F0502020204030204" pitchFamily="34" charset="0"/>
+                      </a:endParaRPr>
+                    </a:p>
+                  </a:txBody>
+                  <a:tcPr marL="9525" marR="9525" marT="9525" marB="0" anchor="b"/>
+                </a:tc>
+                <a:tc>
+                  <a:txBody>
+                    <a:bodyPr/>
+                    <a:lstStyle/>
+                    <a:p>
+                      <a:pPr algn="r" fontAlgn="b"/>
+                      <a:r>
+                        <a:rPr lang="en-ZA" sz="1100" u="none" strike="noStrike">
+                          <a:effectLst/>
+                        </a:rPr>
+                        <a:t>0.022676133</a:t>
+                      </a:r>
+                      <a:endParaRPr lang="en-ZA" sz="1100" b="0" i="0" u="none" strike="noStrike">
+                        <a:solidFill>
+                          <a:srgbClr val="000000"/>
+                        </a:solidFill>
+                        <a:effectLst/>
+                        <a:latin typeface="Calibri" panose="020F0502020204030204" pitchFamily="34" charset="0"/>
+                      </a:endParaRPr>
+                    </a:p>
+                  </a:txBody>
+                  <a:tcPr marL="9525" marR="9525" marT="9525" marB="0" anchor="b"/>
+                </a:tc>
+                <a:tc>
+                  <a:txBody>
+                    <a:bodyPr/>
+                    <a:lstStyle/>
+                    <a:p>
+                      <a:pPr algn="l" fontAlgn="b"/>
+                      <a:r>
+                        <a:rPr lang="pt-BR" sz="1100" u="none" strike="noStrike">
+                          <a:effectLst/>
+                        </a:rPr>
+                        <a:t>Histone H4 (AHRD V3.3 *-* F2E7L1_HORVV)</a:t>
+                      </a:r>
+                      <a:endParaRPr lang="pt-BR" sz="1100" b="0" i="0" u="none" strike="noStrike">
+                        <a:solidFill>
+                          <a:srgbClr val="000000"/>
+                        </a:solidFill>
+                        <a:effectLst/>
+                        <a:latin typeface="Calibri" panose="020F0502020204030204" pitchFamily="34" charset="0"/>
+                      </a:endParaRPr>
+                    </a:p>
+                  </a:txBody>
+                  <a:tcPr marL="9525" marR="9525" marT="9525" marB="0" anchor="b"/>
+                </a:tc>
+                <a:extLst>
+                  <a:ext uri="{0D108BD9-81ED-4DB2-BD59-A6C34878D82A}">
+                    <a16:rowId xmlns:a16="http://schemas.microsoft.com/office/drawing/2014/main" val="4133478965"/>
+                  </a:ext>
+                </a:extLst>
+              </a:tr>
+              <a:tr h="190500">
+                <a:tc>
+                  <a:txBody>
+                    <a:bodyPr/>
+                    <a:lstStyle/>
+                    <a:p>
+                      <a:pPr algn="l" fontAlgn="b"/>
+                      <a:r>
+                        <a:rPr lang="en-ZA" sz="1100" u="none" strike="noStrike">
+                          <a:effectLst/>
+                        </a:rPr>
+                        <a:t>Solyc11g065190.3</a:t>
+                      </a:r>
+                      <a:endParaRPr lang="en-ZA" sz="1100" b="0" i="0" u="none" strike="noStrike">
+                        <a:solidFill>
+                          <a:srgbClr val="000000"/>
+                        </a:solidFill>
+                        <a:effectLst/>
+                        <a:latin typeface="Calibri" panose="020F0502020204030204" pitchFamily="34" charset="0"/>
+                      </a:endParaRPr>
+                    </a:p>
+                  </a:txBody>
+                  <a:tcPr marL="9525" marR="9525" marT="9525" marB="0" anchor="b"/>
+                </a:tc>
+                <a:tc>
+                  <a:txBody>
+                    <a:bodyPr/>
+                    <a:lstStyle/>
+                    <a:p>
+                      <a:pPr algn="r" fontAlgn="b"/>
+                      <a:r>
+                        <a:rPr lang="en-ZA" sz="1100" u="none" strike="noStrike">
+                          <a:effectLst/>
+                        </a:rPr>
+                        <a:t>2.065571383</a:t>
+                      </a:r>
+                      <a:endParaRPr lang="en-ZA" sz="1100" b="0" i="0" u="none" strike="noStrike">
+                        <a:solidFill>
+                          <a:srgbClr val="000000"/>
+                        </a:solidFill>
+                        <a:effectLst/>
+                        <a:latin typeface="Calibri" panose="020F0502020204030204" pitchFamily="34" charset="0"/>
+                      </a:endParaRPr>
+                    </a:p>
+                  </a:txBody>
+                  <a:tcPr marL="9525" marR="9525" marT="9525" marB="0" anchor="b"/>
+                </a:tc>
+                <a:tc>
+                  <a:txBody>
+                    <a:bodyPr/>
+                    <a:lstStyle/>
+                    <a:p>
+                      <a:pPr algn="r" fontAlgn="b"/>
+                      <a:r>
+                        <a:rPr lang="en-ZA" sz="1100" u="none" strike="noStrike">
+                          <a:effectLst/>
+                        </a:rPr>
+                        <a:t>0.039084221</a:t>
+                      </a:r>
+                      <a:endParaRPr lang="en-ZA" sz="1100" b="0" i="0" u="none" strike="noStrike">
+                        <a:solidFill>
+                          <a:srgbClr val="000000"/>
+                        </a:solidFill>
+                        <a:effectLst/>
+                        <a:latin typeface="Calibri" panose="020F0502020204030204" pitchFamily="34" charset="0"/>
+                      </a:endParaRPr>
+                    </a:p>
+                  </a:txBody>
+                  <a:tcPr marL="9525" marR="9525" marT="9525" marB="0" anchor="b"/>
+                </a:tc>
+                <a:tc>
+                  <a:txBody>
+                    <a:bodyPr/>
+                    <a:lstStyle/>
+                    <a:p>
+                      <a:pPr algn="l" fontAlgn="b"/>
+                      <a:r>
+                        <a:rPr lang="en-GB" sz="1100" u="none" strike="noStrike">
+                          <a:effectLst/>
+                        </a:rPr>
+                        <a:t>Ubiquitin-conjugating enzyme (AHRD V3.3 *** A0A200PMH3_9MAGN)</a:t>
+                      </a:r>
+                      <a:endParaRPr lang="en-GB" sz="1100" b="0" i="0" u="none" strike="noStrike">
+                        <a:solidFill>
+                          <a:srgbClr val="000000"/>
+                        </a:solidFill>
+                        <a:effectLst/>
+                        <a:latin typeface="Calibri" panose="020F0502020204030204" pitchFamily="34" charset="0"/>
+                      </a:endParaRPr>
+                    </a:p>
+                  </a:txBody>
+                  <a:tcPr marL="9525" marR="9525" marT="9525" marB="0" anchor="b"/>
+                </a:tc>
+                <a:extLst>
+                  <a:ext uri="{0D108BD9-81ED-4DB2-BD59-A6C34878D82A}">
+                    <a16:rowId xmlns:a16="http://schemas.microsoft.com/office/drawing/2014/main" val="628235628"/>
+                  </a:ext>
+                </a:extLst>
+              </a:tr>
+              <a:tr h="190500">
+                <a:tc>
+                  <a:txBody>
+                    <a:bodyPr/>
+                    <a:lstStyle/>
+                    <a:p>
+                      <a:pPr algn="l" fontAlgn="b"/>
+                      <a:r>
+                        <a:rPr lang="en-ZA" sz="1100" u="none" strike="noStrike">
+                          <a:effectLst/>
+                        </a:rPr>
+                        <a:t>Solyc12g042550.2</a:t>
+                      </a:r>
+                      <a:endParaRPr lang="en-ZA" sz="1100" b="0" i="0" u="none" strike="noStrike">
+                        <a:solidFill>
+                          <a:srgbClr val="000000"/>
+                        </a:solidFill>
+                        <a:effectLst/>
+                        <a:latin typeface="Calibri" panose="020F0502020204030204" pitchFamily="34" charset="0"/>
+                      </a:endParaRPr>
+                    </a:p>
+                  </a:txBody>
+                  <a:tcPr marL="9525" marR="9525" marT="9525" marB="0" anchor="b"/>
+                </a:tc>
+                <a:tc>
+                  <a:txBody>
+                    <a:bodyPr/>
+                    <a:lstStyle/>
+                    <a:p>
+                      <a:pPr algn="r" fontAlgn="b"/>
+                      <a:r>
+                        <a:rPr lang="en-ZA" sz="1100" u="none" strike="noStrike">
+                          <a:effectLst/>
+                        </a:rPr>
+                        <a:t>3.014521129</a:t>
+                      </a:r>
+                      <a:endParaRPr lang="en-ZA" sz="1100" b="0" i="0" u="none" strike="noStrike">
+                        <a:solidFill>
+                          <a:srgbClr val="000000"/>
+                        </a:solidFill>
+                        <a:effectLst/>
+                        <a:latin typeface="Calibri" panose="020F0502020204030204" pitchFamily="34" charset="0"/>
+                      </a:endParaRPr>
+                    </a:p>
+                  </a:txBody>
+                  <a:tcPr marL="9525" marR="9525" marT="9525" marB="0" anchor="b"/>
+                </a:tc>
+                <a:tc>
+                  <a:txBody>
+                    <a:bodyPr/>
+                    <a:lstStyle/>
+                    <a:p>
+                      <a:pPr algn="r" fontAlgn="b"/>
+                      <a:r>
+                        <a:rPr lang="en-ZA" sz="1100" u="none" strike="noStrike">
+                          <a:effectLst/>
+                        </a:rPr>
+                        <a:t>0.039084221</a:t>
+                      </a:r>
+                      <a:endParaRPr lang="en-ZA" sz="1100" b="0" i="0" u="none" strike="noStrike">
+                        <a:solidFill>
+                          <a:srgbClr val="000000"/>
+                        </a:solidFill>
+                        <a:effectLst/>
+                        <a:latin typeface="Calibri" panose="020F0502020204030204" pitchFamily="34" charset="0"/>
+                      </a:endParaRPr>
+                    </a:p>
+                  </a:txBody>
+                  <a:tcPr marL="9525" marR="9525" marT="9525" marB="0" anchor="b"/>
+                </a:tc>
+                <a:tc>
+                  <a:txBody>
+                    <a:bodyPr/>
+                    <a:lstStyle/>
+                    <a:p>
+                      <a:pPr algn="l" fontAlgn="b"/>
+                      <a:r>
+                        <a:rPr lang="en-ZA" sz="1100" u="none" strike="noStrike">
+                          <a:effectLst/>
+                        </a:rPr>
+                        <a:t>Unknown protein</a:t>
+                      </a:r>
+                      <a:endParaRPr lang="en-ZA" sz="1100" b="0" i="0" u="none" strike="noStrike">
+                        <a:solidFill>
+                          <a:srgbClr val="000000"/>
+                        </a:solidFill>
+                        <a:effectLst/>
+                        <a:latin typeface="Calibri" panose="020F0502020204030204" pitchFamily="34" charset="0"/>
+                      </a:endParaRPr>
+                    </a:p>
+                  </a:txBody>
+                  <a:tcPr marL="9525" marR="9525" marT="9525" marB="0" anchor="b"/>
+                </a:tc>
+                <a:extLst>
+                  <a:ext uri="{0D108BD9-81ED-4DB2-BD59-A6C34878D82A}">
+                    <a16:rowId xmlns:a16="http://schemas.microsoft.com/office/drawing/2014/main" val="4278920729"/>
+                  </a:ext>
+                </a:extLst>
+              </a:tr>
+              <a:tr h="190500">
+                <a:tc>
+                  <a:txBody>
+                    <a:bodyPr/>
+                    <a:lstStyle/>
+                    <a:p>
+                      <a:pPr algn="l" fontAlgn="b"/>
+                      <a:r>
+                        <a:rPr lang="en-ZA" sz="1100" u="none" strike="noStrike">
+                          <a:effectLst/>
+                        </a:rPr>
+                        <a:t>Solyc04g074900.3</a:t>
+                      </a:r>
+                      <a:endParaRPr lang="en-ZA" sz="1100" b="0" i="0" u="none" strike="noStrike">
+                        <a:solidFill>
+                          <a:srgbClr val="000000"/>
+                        </a:solidFill>
+                        <a:effectLst/>
+                        <a:latin typeface="Calibri" panose="020F0502020204030204" pitchFamily="34" charset="0"/>
+                      </a:endParaRPr>
+                    </a:p>
+                  </a:txBody>
+                  <a:tcPr marL="9525" marR="9525" marT="9525" marB="0" anchor="b"/>
+                </a:tc>
+                <a:tc>
+                  <a:txBody>
+                    <a:bodyPr/>
+                    <a:lstStyle/>
+                    <a:p>
+                      <a:pPr algn="r" fontAlgn="b"/>
+                      <a:r>
+                        <a:rPr lang="en-ZA" sz="1100" u="none" strike="noStrike">
+                          <a:effectLst/>
+                        </a:rPr>
+                        <a:t>3.312530226</a:t>
+                      </a:r>
+                      <a:endParaRPr lang="en-ZA" sz="1100" b="0" i="0" u="none" strike="noStrike">
+                        <a:solidFill>
+                          <a:srgbClr val="000000"/>
+                        </a:solidFill>
+                        <a:effectLst/>
+                        <a:latin typeface="Calibri" panose="020F0502020204030204" pitchFamily="34" charset="0"/>
+                      </a:endParaRPr>
+                    </a:p>
+                  </a:txBody>
+                  <a:tcPr marL="9525" marR="9525" marT="9525" marB="0" anchor="b"/>
+                </a:tc>
+                <a:tc>
+                  <a:txBody>
+                    <a:bodyPr/>
+                    <a:lstStyle/>
+                    <a:p>
+                      <a:pPr algn="r" fontAlgn="b"/>
+                      <a:r>
+                        <a:rPr lang="en-ZA" sz="1100" u="none" strike="noStrike">
+                          <a:effectLst/>
+                        </a:rPr>
+                        <a:t>0.039084221</a:t>
+                      </a:r>
+                      <a:endParaRPr lang="en-ZA" sz="1100" b="0" i="0" u="none" strike="noStrike">
+                        <a:solidFill>
+                          <a:srgbClr val="000000"/>
+                        </a:solidFill>
+                        <a:effectLst/>
+                        <a:latin typeface="Calibri" panose="020F0502020204030204" pitchFamily="34" charset="0"/>
+                      </a:endParaRPr>
+                    </a:p>
+                  </a:txBody>
+                  <a:tcPr marL="9525" marR="9525" marT="9525" marB="0" anchor="b"/>
+                </a:tc>
+                <a:tc>
+                  <a:txBody>
+                    <a:bodyPr/>
+                    <a:lstStyle/>
+                    <a:p>
+                      <a:pPr algn="l" fontAlgn="b"/>
+                      <a:r>
+                        <a:rPr lang="pt-BR" sz="1100" u="none" strike="noStrike">
+                          <a:effectLst/>
+                        </a:rPr>
+                        <a:t>40S ribosomal protein S.1</a:t>
+                      </a:r>
+                      <a:endParaRPr lang="pt-BR" sz="1100" b="0" i="0" u="none" strike="noStrike">
+                        <a:solidFill>
+                          <a:srgbClr val="000000"/>
+                        </a:solidFill>
+                        <a:effectLst/>
+                        <a:latin typeface="Calibri" panose="020F0502020204030204" pitchFamily="34" charset="0"/>
+                      </a:endParaRPr>
+                    </a:p>
+                  </a:txBody>
+                  <a:tcPr marL="9525" marR="9525" marT="9525" marB="0" anchor="b"/>
+                </a:tc>
+                <a:extLst>
+                  <a:ext uri="{0D108BD9-81ED-4DB2-BD59-A6C34878D82A}">
+                    <a16:rowId xmlns:a16="http://schemas.microsoft.com/office/drawing/2014/main" val="1967637993"/>
+                  </a:ext>
+                </a:extLst>
+              </a:tr>
+              <a:tr h="190500">
+                <a:tc>
+                  <a:txBody>
+                    <a:bodyPr/>
+                    <a:lstStyle/>
+                    <a:p>
+                      <a:pPr algn="l" fontAlgn="b"/>
+                      <a:r>
+                        <a:rPr lang="en-ZA" sz="1100" u="none" strike="noStrike" dirty="0">
+                          <a:effectLst/>
+                        </a:rPr>
+                        <a:t>Solyc03g006100.4</a:t>
+                      </a:r>
+                      <a:endParaRPr lang="en-ZA" sz="1100" b="0" i="0" u="none" strike="noStrike" dirty="0">
+                        <a:solidFill>
+                          <a:srgbClr val="000000"/>
+                        </a:solidFill>
+                        <a:effectLst/>
+                        <a:latin typeface="Calibri" panose="020F0502020204030204" pitchFamily="34" charset="0"/>
+                      </a:endParaRPr>
+                    </a:p>
+                  </a:txBody>
+                  <a:tcPr marL="9525" marR="9525" marT="9525" marB="0" anchor="b"/>
+                </a:tc>
+                <a:tc>
+                  <a:txBody>
+                    <a:bodyPr/>
+                    <a:lstStyle/>
+                    <a:p>
+                      <a:pPr algn="r" fontAlgn="b"/>
+                      <a:r>
+                        <a:rPr lang="en-ZA" sz="1100" u="none" strike="noStrike">
+                          <a:effectLst/>
+                        </a:rPr>
+                        <a:t>3.503795384</a:t>
+                      </a:r>
+                      <a:endParaRPr lang="en-ZA" sz="1100" b="0" i="0" u="none" strike="noStrike">
+                        <a:solidFill>
+                          <a:srgbClr val="000000"/>
+                        </a:solidFill>
+                        <a:effectLst/>
+                        <a:latin typeface="Calibri" panose="020F0502020204030204" pitchFamily="34" charset="0"/>
+                      </a:endParaRPr>
+                    </a:p>
+                  </a:txBody>
+                  <a:tcPr marL="9525" marR="9525" marT="9525" marB="0" anchor="b"/>
+                </a:tc>
+                <a:tc>
+                  <a:txBody>
+                    <a:bodyPr/>
+                    <a:lstStyle/>
+                    <a:p>
+                      <a:pPr algn="r" fontAlgn="b"/>
+                      <a:r>
+                        <a:rPr lang="en-ZA" sz="1100" u="none" strike="noStrike">
+                          <a:effectLst/>
+                        </a:rPr>
+                        <a:t>0.039084221</a:t>
+                      </a:r>
+                      <a:endParaRPr lang="en-ZA" sz="1100" b="0" i="0" u="none" strike="noStrike">
+                        <a:solidFill>
+                          <a:srgbClr val="000000"/>
+                        </a:solidFill>
+                        <a:effectLst/>
+                        <a:latin typeface="Calibri" panose="020F0502020204030204" pitchFamily="34" charset="0"/>
+                      </a:endParaRPr>
+                    </a:p>
+                  </a:txBody>
+                  <a:tcPr marL="9525" marR="9525" marT="9525" marB="0" anchor="b"/>
+                </a:tc>
+                <a:tc>
+                  <a:txBody>
+                    <a:bodyPr/>
+                    <a:lstStyle/>
+                    <a:p>
+                      <a:pPr algn="l" fontAlgn="b"/>
+                      <a:r>
+                        <a:rPr lang="en-ZA" sz="1100" u="none" strike="noStrike">
+                          <a:effectLst/>
+                        </a:rPr>
+                        <a:t>LRR receptor-like serine/threonine-protein kinase EFR (AHRD V3.3 *** A0A1U8GGG3_CAPAN)</a:t>
+                      </a:r>
+                      <a:endParaRPr lang="en-ZA" sz="1100" b="0" i="0" u="none" strike="noStrike">
+                        <a:solidFill>
+                          <a:srgbClr val="000000"/>
+                        </a:solidFill>
+                        <a:effectLst/>
+                        <a:latin typeface="Calibri" panose="020F0502020204030204" pitchFamily="34" charset="0"/>
+                      </a:endParaRPr>
+                    </a:p>
+                  </a:txBody>
+                  <a:tcPr marL="9525" marR="9525" marT="9525" marB="0" anchor="b"/>
+                </a:tc>
+                <a:extLst>
+                  <a:ext uri="{0D108BD9-81ED-4DB2-BD59-A6C34878D82A}">
+                    <a16:rowId xmlns:a16="http://schemas.microsoft.com/office/drawing/2014/main" val="2366759508"/>
+                  </a:ext>
+                </a:extLst>
+              </a:tr>
+              <a:tr h="228859">
+                <a:tc>
+                  <a:txBody>
+                    <a:bodyPr/>
+                    <a:lstStyle/>
+                    <a:p>
+                      <a:pPr algn="l" fontAlgn="b"/>
+                      <a:r>
+                        <a:rPr lang="en-ZA" sz="1100" u="none" strike="noStrike">
+                          <a:effectLst/>
+                        </a:rPr>
+                        <a:t>Solyc06g063330.3</a:t>
+                      </a:r>
+                      <a:endParaRPr lang="en-ZA" sz="1100" b="0" i="0" u="none" strike="noStrike">
+                        <a:solidFill>
+                          <a:srgbClr val="000000"/>
+                        </a:solidFill>
+                        <a:effectLst/>
+                        <a:latin typeface="Calibri" panose="020F0502020204030204" pitchFamily="34" charset="0"/>
+                      </a:endParaRPr>
+                    </a:p>
+                  </a:txBody>
+                  <a:tcPr marL="9525" marR="9525" marT="9525" marB="0" anchor="b"/>
+                </a:tc>
+                <a:tc>
+                  <a:txBody>
+                    <a:bodyPr/>
+                    <a:lstStyle/>
+                    <a:p>
+                      <a:pPr algn="r" fontAlgn="b"/>
+                      <a:r>
+                        <a:rPr lang="en-ZA" sz="1100" u="none" strike="noStrike">
+                          <a:effectLst/>
+                        </a:rPr>
+                        <a:t>4.140267001</a:t>
+                      </a:r>
+                      <a:endParaRPr lang="en-ZA" sz="1100" b="0" i="0" u="none" strike="noStrike">
+                        <a:solidFill>
+                          <a:srgbClr val="000000"/>
+                        </a:solidFill>
+                        <a:effectLst/>
+                        <a:latin typeface="Calibri" panose="020F0502020204030204" pitchFamily="34" charset="0"/>
+                      </a:endParaRPr>
+                    </a:p>
+                  </a:txBody>
+                  <a:tcPr marL="9525" marR="9525" marT="9525" marB="0" anchor="b"/>
+                </a:tc>
+                <a:tc>
+                  <a:txBody>
+                    <a:bodyPr/>
+                    <a:lstStyle/>
+                    <a:p>
+                      <a:pPr algn="r" fontAlgn="b"/>
+                      <a:r>
+                        <a:rPr lang="en-ZA" sz="1100" u="none" strike="noStrike">
+                          <a:effectLst/>
+                        </a:rPr>
+                        <a:t>0.014028967</a:t>
+                      </a:r>
+                      <a:endParaRPr lang="en-ZA" sz="1100" b="0" i="0" u="none" strike="noStrike">
+                        <a:solidFill>
+                          <a:srgbClr val="000000"/>
+                        </a:solidFill>
+                        <a:effectLst/>
+                        <a:latin typeface="Calibri" panose="020F0502020204030204" pitchFamily="34" charset="0"/>
+                      </a:endParaRPr>
+                    </a:p>
+                  </a:txBody>
+                  <a:tcPr marL="9525" marR="9525" marT="9525" marB="0" anchor="b"/>
+                </a:tc>
+                <a:tc>
+                  <a:txBody>
+                    <a:bodyPr/>
+                    <a:lstStyle/>
+                    <a:p>
+                      <a:pPr algn="l" fontAlgn="b"/>
+                      <a:r>
+                        <a:rPr lang="en-GB" sz="1100" u="none" strike="noStrike" dirty="0" err="1">
+                          <a:effectLst/>
+                        </a:rPr>
+                        <a:t>Vacuolar</a:t>
+                      </a:r>
+                      <a:r>
+                        <a:rPr lang="en-GB" sz="1100" u="none" strike="noStrike" dirty="0">
+                          <a:effectLst/>
+                        </a:rPr>
+                        <a:t> ATP synthase catalytic subunit (AHRD V3.3 *** A0A0A7LU40_9ASPA)</a:t>
+                      </a:r>
+                      <a:endParaRPr lang="en-GB" sz="1100" b="0" i="0" u="none" strike="noStrike" dirty="0">
+                        <a:solidFill>
+                          <a:srgbClr val="000000"/>
+                        </a:solidFill>
+                        <a:effectLst/>
+                        <a:latin typeface="Calibri" panose="020F0502020204030204" pitchFamily="34" charset="0"/>
+                      </a:endParaRPr>
+                    </a:p>
+                  </a:txBody>
+                  <a:tcPr marL="9525" marR="9525" marT="9525" marB="0" anchor="b"/>
+                </a:tc>
+                <a:extLst>
+                  <a:ext uri="{0D108BD9-81ED-4DB2-BD59-A6C34878D82A}">
+                    <a16:rowId xmlns:a16="http://schemas.microsoft.com/office/drawing/2014/main" val="4287745965"/>
+                  </a:ext>
+                </a:extLst>
+              </a:tr>
+            </a:tbl>
+          </a:graphicData>
+        </a:graphic>
+      </p:graphicFrame>
+      <p:graphicFrame>
+        <p:nvGraphicFramePr>
+          <p:cNvPr id="6" name="Object 5">
+            <a:extLst>
+              <a:ext uri="{FF2B5EF4-FFF2-40B4-BE49-F238E27FC236}">
+                <a16:creationId xmlns:a16="http://schemas.microsoft.com/office/drawing/2014/main" id="{31C89A87-73A1-4A61-A999-188FC51ACE9F}"/>
+              </a:ext>
+            </a:extLst>
+          </p:cNvPr>
+          <p:cNvGraphicFramePr>
+            <a:graphicFrameLocks noChangeAspect="1"/>
+          </p:cNvGraphicFramePr>
+          <p:nvPr>
+            <p:extLst>
+              <p:ext uri="{D42A27DB-BD31-4B8C-83A1-F6EECF244321}">
+                <p14:modId xmlns:p14="http://schemas.microsoft.com/office/powerpoint/2010/main" val="2667029513"/>
+              </p:ext>
+            </p:extLst>
+          </p:nvPr>
+        </p:nvGraphicFramePr>
+        <p:xfrm>
+          <a:off x="1279858" y="1251952"/>
+          <a:ext cx="8477250" cy="3438525"/>
+        </p:xfrm>
+        <a:graphic>
+          <a:graphicData uri="http://schemas.openxmlformats.org/presentationml/2006/ole">
+            <mc:AlternateContent xmlns:mc="http://schemas.openxmlformats.org/markup-compatibility/2006">
+              <mc:Choice xmlns:v="urn:schemas-microsoft-com:vml" Requires="v">
+                <p:oleObj name="Worksheet" r:id="rId2" imgW="8477124" imgH="3438417" progId="Excel.Sheet.12">
+                  <p:embed/>
+                </p:oleObj>
+              </mc:Choice>
+              <mc:Fallback>
+                <p:oleObj name="Worksheet" r:id="rId2" imgW="8477124" imgH="3438417" progId="Excel.Sheet.12">
+                  <p:embed/>
+                  <p:pic>
+                    <p:nvPicPr>
+                      <p:cNvPr id="0" name=""/>
+                      <p:cNvPicPr/>
+                      <p:nvPr/>
+                    </p:nvPicPr>
+                    <p:blipFill>
+                      <a:blip r:embed="rId3"/>
+                      <a:stretch>
+                        <a:fillRect/>
+                      </a:stretch>
+                    </p:blipFill>
+                    <p:spPr>
+                      <a:xfrm>
+                        <a:off x="1279858" y="1251952"/>
+                        <a:ext cx="8477250" cy="3438525"/>
+                      </a:xfrm>
+                      <a:prstGeom prst="rect">
+                        <a:avLst/>
+                      </a:prstGeom>
+                    </p:spPr>
+                  </p:pic>
+                </p:oleObj>
+              </mc:Fallback>
+            </mc:AlternateContent>
+          </a:graphicData>
+        </a:graphic>
+      </p:graphicFrame>
+    </p:spTree>
+    <p:extLst>
+      <p:ext uri="{BB962C8B-B14F-4D97-AF65-F5344CB8AC3E}">
+        <p14:creationId xmlns:p14="http://schemas.microsoft.com/office/powerpoint/2010/main" val="3500049952"/>
       </p:ext>
     </p:extLst>
   </p:cSld>
